--- a/PRESENTATIONS/2020-10-online-f2f/2020-10-07-WoT-F2F-Opening-McCool.pptx
+++ b/PRESENTATIONS/2020-10-online-f2f/2020-10-07-WoT-F2F-Opening-McCool.pptx
@@ -4836,7 +4836,7 @@
             </a:r>
             <a:r>
               <a:rPr lang="en-US" dirty="0"/>
-              <a:t>	Joint meetings: DID, PUB</a:t>
+              <a:t>	Joint meetings: DID (1h), PUB (0.5h)</a:t>
             </a:r>
           </a:p>
           <a:p>
@@ -4846,7 +4846,7 @@
             </a:r>
             <a:r>
               <a:rPr lang="en-US" dirty="0"/>
-              <a:t>	Joint meeting: APA</a:t>
+              <a:t>	Joint meeting: APA (1h)</a:t>
             </a:r>
           </a:p>
           <a:p>
@@ -4856,7 +4856,7 @@
             </a:r>
             <a:r>
               <a:rPr lang="en-US" dirty="0"/>
-              <a:t>	Joint meeting: W&amp;N (1.5)</a:t>
+              <a:t>	Joint meeting: W&amp;N (1.5h)</a:t>
             </a:r>
           </a:p>
           <a:p>
@@ -5108,7 +5108,7 @@
           <a:p>
             <a:pPr lvl="1"/>
             <a:r>
-              <a:rPr lang="en-CA" dirty="0"/>
+              <a:rPr lang="en-CA" b="1" i="1" dirty="0"/>
               <a:t>second hour also cancelled</a:t>
             </a:r>
           </a:p>
@@ -5294,52 +5294,50 @@
           <a:p>
             <a:r>
               <a:rPr lang="en-CA" b="1" i="1" dirty="0"/>
-              <a:t>Architecture on Oct 8?  Discuss.</a:t>
+              <a:t>Architecture on Oct 8:  Cancelled.</a:t>
             </a:r>
           </a:p>
           <a:p>
             <a:r>
               <a:rPr lang="en-CA" b="1" i="1" dirty="0"/>
-              <a:t>Scripting on Oct 12?  Discuss.</a:t>
+              <a:t>Scripting on Oct 12:  Not cancelled.</a:t>
             </a:r>
           </a:p>
           <a:p>
             <a:r>
               <a:rPr lang="en-CA" b="1" i="1" dirty="0"/>
-              <a:t>Security on Oct 12? Discuss.</a:t>
+              <a:t>Security on Oct 12: Cancelled.</a:t>
             </a:r>
           </a:p>
           <a:p>
             <a:r>
               <a:rPr lang="en-CA" b="1" i="1" dirty="0"/>
-              <a:t>Discovery on Oct 12? Discuss.</a:t>
+              <a:t>Discovery on Oct 12:  Not cancelled.</a:t>
             </a:r>
           </a:p>
           <a:p>
             <a:r>
               <a:rPr lang="en-CA" b="1" i="1" dirty="0"/>
-              <a:t>TD on Oct 14? Discuss.</a:t>
+              <a:t>TD on Oct 14: Cancelled.</a:t>
             </a:r>
           </a:p>
           <a:p>
             <a:r>
               <a:rPr lang="en-CA" b="1" i="1" dirty="0"/>
-              <a:t>Architecture on Oct 15? Discuss.</a:t>
+              <a:t>Architecture on Oct 15: Start 30m late.</a:t>
             </a:r>
           </a:p>
           <a:p>
             <a:pPr lvl="1"/>
             <a:r>
               <a:rPr lang="en-CA" b="1" i="1" dirty="0"/>
-              <a:t>Note: 30m overlap with W&amp;</a:t>
-            </a:r>
-            <a:r>
-              <a:rPr lang="en-CA" b="1" i="1"/>
-              <a:t>N joint call </a:t>
-            </a:r>
+              <a:t>Note: 30m overlap with W&amp;N joint call on Oct 15.</a:t>
+            </a:r>
+          </a:p>
+          <a:p>
             <a:r>
               <a:rPr lang="en-CA" b="1" i="1" dirty="0"/>
-              <a:t>on Oct 15.</a:t>
+              <a:t>Main call on Oct 14: Not cancelled.</a:t>
             </a:r>
           </a:p>
           <a:p>
@@ -5556,15 +5554,16 @@
           <a:p>
             <a:pPr lvl="1"/>
             <a:r>
-              <a:rPr lang="en-US" dirty="0"/>
-              <a:t>Candidate times: Oct 12, 9am EDT; Oct  13, 9am or 10am EDT</a:t>
-            </a:r>
-          </a:p>
-          <a:p>
-            <a:pPr lvl="1"/>
-            <a:r>
-              <a:rPr lang="en-US" dirty="0"/>
-              <a:t>Others</a:t>
+              <a:rPr lang="en-US" b="1" i="1" dirty="0"/>
+              <a:t>Selection: Oct 13, 10am EDT; Sebastian to confirm w/ JSON-LD; McCool to handle </a:t>
+            </a:r>
+            <a:r>
+              <a:rPr lang="en-US" b="1" i="1" dirty="0" err="1"/>
+              <a:t>github</a:t>
+            </a:r>
+            <a:r>
+              <a:rPr lang="en-US" b="1" i="1" dirty="0"/>
+              <a:t> and Outlook invite</a:t>
             </a:r>
           </a:p>
           <a:p>
@@ -5628,7 +5627,7 @@
             <a:pPr lvl="1"/>
             <a:r>
               <a:rPr lang="en-US" dirty="0"/>
-              <a:t>Select chairs for each</a:t>
+              <a:t>Select chairs/WoT representatives for each</a:t>
             </a:r>
           </a:p>
         </p:txBody>

--- a/PRESENTATIONS/2020-10-online-f2f/2020-10-07-WoT-F2F-Opening-McCool.pptx
+++ b/PRESENTATIONS/2020-10-online-f2f/2020-10-07-WoT-F2F-Opening-McCool.pptx
@@ -5319,6 +5319,12 @@
             <a:r>
               <a:rPr lang="en-CA" b="1" i="1" dirty="0"/>
               <a:t>TD on Oct 14: Cancelled.</a:t>
+            </a:r>
+          </a:p>
+          <a:p>
+            <a:r>
+              <a:rPr lang="en-CA" b="1" i="1" dirty="0"/>
+              <a:t>Use Cases on Oct 15: Not cancelled.</a:t>
             </a:r>
           </a:p>
           <a:p>
